--- a/java/TP-design-patterns/Handson-4-design-patterns.pptx
+++ b/java/TP-design-patterns/Handson-4-design-patterns.pptx
@@ -167,6 +167,11 @@
       </a:defRPr>
     </a:lvl9pPr>
   </p:defaultTextStyle>
+  <p:extLst>
+    <p:ext uri="{EFAFB233-063F-42B5-8137-9DF3F51BA10A}">
+      <p15:sldGuideLst xmlns:p15="http://schemas.microsoft.com/office/powerpoint/2012/main"/>
+    </p:ext>
+  </p:extLst>
 </p:presentation>
 </file>
 
@@ -319,7 +324,7 @@
           <a:p>
             <a:fld id="{FE968488-51DE-42B3-AB4F-158C7C1136B8}" type="datetimeFigureOut">
               <a:rPr lang="fr-FR" smtClean="0"/>
-              <a:t>01/04/2023</a:t>
+              <a:t>17/04/2023</a:t>
             </a:fld>
             <a:endParaRPr lang="fr-FR"/>
           </a:p>
@@ -519,7 +524,7 @@
           <a:p>
             <a:fld id="{FE968488-51DE-42B3-AB4F-158C7C1136B8}" type="datetimeFigureOut">
               <a:rPr lang="fr-FR" smtClean="0"/>
-              <a:t>01/04/2023</a:t>
+              <a:t>17/04/2023</a:t>
             </a:fld>
             <a:endParaRPr lang="fr-FR"/>
           </a:p>
@@ -729,7 +734,7 @@
           <a:p>
             <a:fld id="{FE968488-51DE-42B3-AB4F-158C7C1136B8}" type="datetimeFigureOut">
               <a:rPr lang="fr-FR" smtClean="0"/>
-              <a:t>01/04/2023</a:t>
+              <a:t>17/04/2023</a:t>
             </a:fld>
             <a:endParaRPr lang="fr-FR"/>
           </a:p>
@@ -929,7 +934,7 @@
           <a:p>
             <a:fld id="{FE968488-51DE-42B3-AB4F-158C7C1136B8}" type="datetimeFigureOut">
               <a:rPr lang="fr-FR" smtClean="0"/>
-              <a:t>01/04/2023</a:t>
+              <a:t>17/04/2023</a:t>
             </a:fld>
             <a:endParaRPr lang="fr-FR"/>
           </a:p>
@@ -1205,7 +1210,7 @@
           <a:p>
             <a:fld id="{FE968488-51DE-42B3-AB4F-158C7C1136B8}" type="datetimeFigureOut">
               <a:rPr lang="fr-FR" smtClean="0"/>
-              <a:t>01/04/2023</a:t>
+              <a:t>17/04/2023</a:t>
             </a:fld>
             <a:endParaRPr lang="fr-FR"/>
           </a:p>
@@ -1473,7 +1478,7 @@
           <a:p>
             <a:fld id="{FE968488-51DE-42B3-AB4F-158C7C1136B8}" type="datetimeFigureOut">
               <a:rPr lang="fr-FR" smtClean="0"/>
-              <a:t>01/04/2023</a:t>
+              <a:t>17/04/2023</a:t>
             </a:fld>
             <a:endParaRPr lang="fr-FR"/>
           </a:p>
@@ -1888,7 +1893,7 @@
           <a:p>
             <a:fld id="{FE968488-51DE-42B3-AB4F-158C7C1136B8}" type="datetimeFigureOut">
               <a:rPr lang="fr-FR" smtClean="0"/>
-              <a:t>01/04/2023</a:t>
+              <a:t>17/04/2023</a:t>
             </a:fld>
             <a:endParaRPr lang="fr-FR"/>
           </a:p>
@@ -2030,7 +2035,7 @@
           <a:p>
             <a:fld id="{FE968488-51DE-42B3-AB4F-158C7C1136B8}" type="datetimeFigureOut">
               <a:rPr lang="fr-FR" smtClean="0"/>
-              <a:t>01/04/2023</a:t>
+              <a:t>17/04/2023</a:t>
             </a:fld>
             <a:endParaRPr lang="fr-FR"/>
           </a:p>
@@ -2143,7 +2148,7 @@
           <a:p>
             <a:fld id="{FE968488-51DE-42B3-AB4F-158C7C1136B8}" type="datetimeFigureOut">
               <a:rPr lang="fr-FR" smtClean="0"/>
-              <a:t>01/04/2023</a:t>
+              <a:t>17/04/2023</a:t>
             </a:fld>
             <a:endParaRPr lang="fr-FR"/>
           </a:p>
@@ -2456,7 +2461,7 @@
           <a:p>
             <a:fld id="{FE968488-51DE-42B3-AB4F-158C7C1136B8}" type="datetimeFigureOut">
               <a:rPr lang="fr-FR" smtClean="0"/>
-              <a:t>01/04/2023</a:t>
+              <a:t>17/04/2023</a:t>
             </a:fld>
             <a:endParaRPr lang="fr-FR"/>
           </a:p>
@@ -2745,7 +2750,7 @@
           <a:p>
             <a:fld id="{FE968488-51DE-42B3-AB4F-158C7C1136B8}" type="datetimeFigureOut">
               <a:rPr lang="fr-FR" smtClean="0"/>
-              <a:t>01/04/2023</a:t>
+              <a:t>17/04/2023</a:t>
             </a:fld>
             <a:endParaRPr lang="fr-FR"/>
           </a:p>
@@ -2988,7 +2993,7 @@
           <a:p>
             <a:fld id="{FE968488-51DE-42B3-AB4F-158C7C1136B8}" type="datetimeFigureOut">
               <a:rPr lang="fr-FR" smtClean="0"/>
-              <a:t>01/04/2023</a:t>
+              <a:t>17/04/2023</a:t>
             </a:fld>
             <a:endParaRPr lang="fr-FR"/>
           </a:p>
@@ -31803,7 +31808,7 @@
                 </a:solidFill>
                 <a:latin typeface="Consolas" panose="020B0609020204030204" pitchFamily="49" charset="0"/>
               </a:rPr>
-              <a:t>javafx.scene.shape.</a:t>
+              <a:t>javafx.scene.text.</a:t>
             </a:r>
             <a:r>
               <a:rPr lang="fr-FR" sz="1800" b="1" dirty="0" err="1">
